--- a/03-Machine_Learning/01-Supervisado/02-Classification/ML_Classification.pptx
+++ b/03-Machine_Learning/01-Supervisado/02-Classification/ML_Classification.pptx
@@ -262,7 +262,7 @@
       <p15:sldGuideLst xmlns:p15="http://schemas.microsoft.com/office/powerpoint/2012/main"/>
     </p:ext>
     <p:ext uri="http://customooxmlschemas.google.com/">
-      <go:slidesCustomData xmlns="" xmlns:mc="http://schemas.openxmlformats.org/markup-compatibility/2006" xmlns:mv="urn:schemas-microsoft-com:mac:vml" xmlns:c="http://schemas.openxmlformats.org/drawingml/2006/chart" xmlns:dgm="http://schemas.openxmlformats.org/drawingml/2006/diagram" xmlns:o="urn:schemas-microsoft-com:office:office" xmlns:v="urn:schemas-microsoft-com:vml" xmlns:pvml="urn:schemas-microsoft-com:office:powerpoint" xmlns:com="http://schemas.openxmlformats.org/drawingml/2006/compatibility" xmlns:p14="http://schemas.microsoft.com/office/powerpoint/2010/main" xmlns:p15="http://schemas.microsoft.com/office/powerpoint/2012/main" xmlns:ahyp="http://schemas.microsoft.com/office/drawing/2018/hyperlinkcolor" xmlns:go="http://customooxmlschemas.google.com/" r:id="rId21" roundtripDataSignature="AMtx7mjR4Z2qlw1O4ISnTOrHOoskpaRfBA=="/>
+      <go:slidesCustomData xmlns:go="http://customooxmlschemas.google.com/" xmlns:ahyp="http://schemas.microsoft.com/office/drawing/2018/hyperlinkcolor" xmlns:p15="http://schemas.microsoft.com/office/powerpoint/2012/main" xmlns:p14="http://schemas.microsoft.com/office/powerpoint/2010/main" xmlns:com="http://schemas.openxmlformats.org/drawingml/2006/compatibility" xmlns:pvml="urn:schemas-microsoft-com:office:powerpoint" xmlns:v="urn:schemas-microsoft-com:vml" xmlns:o="urn:schemas-microsoft-com:office:office" xmlns:dgm="http://schemas.openxmlformats.org/drawingml/2006/diagram" xmlns:c="http://schemas.openxmlformats.org/drawingml/2006/chart" xmlns:mv="urn:schemas-microsoft-com:mac:vml" xmlns:mc="http://schemas.openxmlformats.org/markup-compatibility/2006" xmlns="" r:id="rId21" roundtripDataSignature="AMtx7mjR4Z2qlw1O4ISnTOrHOoskpaRfBA=="/>
     </p:ext>
   </p:extLst>
 </p:presentation>
@@ -912,7 +912,7 @@
                 <a:cs typeface="Times New Roman"/>
                 <a:sym typeface="Times New Roman"/>
               </a:rPr>
-              <a:t>‹Nº›</a:t>
+              <a:t>‹#›</a:t>
             </a:fld>
             <a:endParaRPr sz="1400" b="0" i="0" u="none" strike="noStrike" cap="none">
               <a:latin typeface="Times New Roman"/>
@@ -10068,7 +10068,7 @@
             </a:pPr>
             <a:fld id="{00000000-1234-1234-1234-123412341234}" type="slidenum">
               <a:rPr lang="en-US"/>
-              <a:t>‹Nº›</a:t>
+              <a:t>‹#›</a:t>
             </a:fld>
             <a:endParaRPr>
               <a:solidFill>
@@ -23241,42 +23241,6 @@
           </a:ln>
         </p:spPr>
       </p:pic>
-      <p:cxnSp>
-        <p:nvCxnSpPr>
-          <p:cNvPr id="3" name="Conector recto 2">
-            <a:extLst>
-              <a:ext uri="{FF2B5EF4-FFF2-40B4-BE49-F238E27FC236}">
-                <a16:creationId xmlns:a16="http://schemas.microsoft.com/office/drawing/2014/main" id="{A0FA4BAC-2B78-403E-B5A1-F06306E1BF94}"/>
-              </a:ext>
-            </a:extLst>
-          </p:cNvPr>
-          <p:cNvCxnSpPr/>
-          <p:nvPr/>
-        </p:nvCxnSpPr>
-        <p:spPr>
-          <a:xfrm>
-            <a:off x="9225280" y="4744720"/>
-            <a:ext cx="1219200" cy="91440"/>
-          </a:xfrm>
-          <a:prstGeom prst="line">
-            <a:avLst/>
-          </a:prstGeom>
-        </p:spPr>
-        <p:style>
-          <a:lnRef idx="1">
-            <a:schemeClr val="accent1"/>
-          </a:lnRef>
-          <a:fillRef idx="0">
-            <a:schemeClr val="accent1"/>
-          </a:fillRef>
-          <a:effectRef idx="0">
-            <a:schemeClr val="accent1"/>
-          </a:effectRef>
-          <a:fontRef idx="minor">
-            <a:schemeClr val="tx1"/>
-          </a:fontRef>
-        </p:style>
-      </p:cxnSp>
     </p:spTree>
   </p:cSld>
   <p:clrMapOvr>
